--- a/ppt 16-9/1427.不可退后.pptx
+++ b/ppt 16-9/1427.不可退后.pptx
@@ -5,7 +5,7 @@
     <p:sldMasterId id="2147483648" r:id="rId1"/>
   </p:sldMasterIdLst>
   <p:sldIdLst>
-    <p:sldId id="998" r:id="rId2"/>
+    <p:sldId id="999" r:id="rId2"/>
   </p:sldIdLst>
   <p:sldSz cx="12192000" cy="6858000"/>
   <p:notesSz cx="6858000" cy="9144000"/>
@@ -129,7 +129,7 @@
           <p:cNvPr id="2" name="标题 1">
             <a:extLst>
               <a:ext uri="{FF2B5EF4-FFF2-40B4-BE49-F238E27FC236}">
-                <a16:creationId xmlns:a16="http://schemas.microsoft.com/office/drawing/2014/main" id="{6716E8A8-3E21-2132-7D06-5DAA3C9F0529}"/>
+                <a16:creationId xmlns:a16="http://schemas.microsoft.com/office/drawing/2014/main" id="{A3F4C83C-8023-34DE-8D36-E224016C785D}"/>
               </a:ext>
             </a:extLst>
           </p:cNvPr>
@@ -166,7 +166,7 @@
           <p:cNvPr id="3" name="副标题 2">
             <a:extLst>
               <a:ext uri="{FF2B5EF4-FFF2-40B4-BE49-F238E27FC236}">
-                <a16:creationId xmlns:a16="http://schemas.microsoft.com/office/drawing/2014/main" id="{6C47CBA4-21DD-23C3-8234-FAC8127AF0CB}"/>
+                <a16:creationId xmlns:a16="http://schemas.microsoft.com/office/drawing/2014/main" id="{CEB66AB5-32BD-C407-6199-F22CE6D75524}"/>
               </a:ext>
             </a:extLst>
           </p:cNvPr>
@@ -236,7 +236,7 @@
           <p:cNvPr id="4" name="日期占位符 3">
             <a:extLst>
               <a:ext uri="{FF2B5EF4-FFF2-40B4-BE49-F238E27FC236}">
-                <a16:creationId xmlns:a16="http://schemas.microsoft.com/office/drawing/2014/main" id="{98315519-DE68-9953-8F76-1A0CECDA793C}"/>
+                <a16:creationId xmlns:a16="http://schemas.microsoft.com/office/drawing/2014/main" id="{4966DCE7-C061-0DA6-4DFE-6B311F1F581B}"/>
               </a:ext>
             </a:extLst>
           </p:cNvPr>
@@ -252,7 +252,7 @@
           <a:bodyPr/>
           <a:lstStyle/>
           <a:p>
-            <a:fld id="{42835F54-58C0-45BF-A89F-FF0DD25C5561}" type="datetimeFigureOut">
+            <a:fld id="{770736C7-0CF6-43DF-9BAC-6292F32A1826}" type="datetimeFigureOut">
               <a:rPr lang="zh-CN" altLang="en-US" smtClean="0"/>
               <a:t>2024/3/10</a:t>
             </a:fld>
@@ -265,7 +265,7 @@
           <p:cNvPr id="5" name="页脚占位符 4">
             <a:extLst>
               <a:ext uri="{FF2B5EF4-FFF2-40B4-BE49-F238E27FC236}">
-                <a16:creationId xmlns:a16="http://schemas.microsoft.com/office/drawing/2014/main" id="{62F2A4DE-BBC2-AD3C-1BEF-ADEEE811CA47}"/>
+                <a16:creationId xmlns:a16="http://schemas.microsoft.com/office/drawing/2014/main" id="{BDCB06B0-5420-3BC0-1DFC-26D791F58F4D}"/>
               </a:ext>
             </a:extLst>
           </p:cNvPr>
@@ -290,7 +290,7 @@
           <p:cNvPr id="6" name="灯片编号占位符 5">
             <a:extLst>
               <a:ext uri="{FF2B5EF4-FFF2-40B4-BE49-F238E27FC236}">
-                <a16:creationId xmlns:a16="http://schemas.microsoft.com/office/drawing/2014/main" id="{F1DAF453-9C23-AACD-93F2-723348E6AA2D}"/>
+                <a16:creationId xmlns:a16="http://schemas.microsoft.com/office/drawing/2014/main" id="{1CB5C87B-65BF-C0DA-7C75-04A17FFA4F83}"/>
               </a:ext>
             </a:extLst>
           </p:cNvPr>
@@ -306,7 +306,7 @@
           <a:bodyPr/>
           <a:lstStyle/>
           <a:p>
-            <a:fld id="{0866D3B6-3E3A-44C6-B0E6-2FC3C967E4CE}" type="slidenum">
+            <a:fld id="{5AE23780-FE77-4C8B-B562-C171530A488A}" type="slidenum">
               <a:rPr lang="zh-CN" altLang="en-US" smtClean="0"/>
               <a:t>‹#›</a:t>
             </a:fld>
@@ -317,7 +317,7 @@
     </p:spTree>
     <p:extLst>
       <p:ext uri="{BB962C8B-B14F-4D97-AF65-F5344CB8AC3E}">
-        <p14:creationId xmlns:p14="http://schemas.microsoft.com/office/powerpoint/2010/main" val="3561846767"/>
+        <p14:creationId xmlns:p14="http://schemas.microsoft.com/office/powerpoint/2010/main" val="499338131"/>
       </p:ext>
     </p:extLst>
   </p:cSld>
@@ -349,7 +349,7 @@
           <p:cNvPr id="2" name="标题 1">
             <a:extLst>
               <a:ext uri="{FF2B5EF4-FFF2-40B4-BE49-F238E27FC236}">
-                <a16:creationId xmlns:a16="http://schemas.microsoft.com/office/drawing/2014/main" id="{E3352209-AF85-98E8-DF6A-7875285D2882}"/>
+                <a16:creationId xmlns:a16="http://schemas.microsoft.com/office/drawing/2014/main" id="{5B1F5010-8820-0D71-0F4D-0B9267236B55}"/>
               </a:ext>
             </a:extLst>
           </p:cNvPr>
@@ -377,7 +377,7 @@
           <p:cNvPr id="3" name="竖排文字占位符 2">
             <a:extLst>
               <a:ext uri="{FF2B5EF4-FFF2-40B4-BE49-F238E27FC236}">
-                <a16:creationId xmlns:a16="http://schemas.microsoft.com/office/drawing/2014/main" id="{3E8FB656-6559-F643-FCE7-E9B9C8EE00FE}"/>
+                <a16:creationId xmlns:a16="http://schemas.microsoft.com/office/drawing/2014/main" id="{32476487-E14C-C053-39E1-964D3A8B96BF}"/>
               </a:ext>
             </a:extLst>
           </p:cNvPr>
@@ -434,7 +434,7 @@
           <p:cNvPr id="4" name="日期占位符 3">
             <a:extLst>
               <a:ext uri="{FF2B5EF4-FFF2-40B4-BE49-F238E27FC236}">
-                <a16:creationId xmlns:a16="http://schemas.microsoft.com/office/drawing/2014/main" id="{B4C986DE-CE48-16E4-CDE5-934B6A028CB3}"/>
+                <a16:creationId xmlns:a16="http://schemas.microsoft.com/office/drawing/2014/main" id="{33747D90-095B-34FD-E73E-18E8BA31404E}"/>
               </a:ext>
             </a:extLst>
           </p:cNvPr>
@@ -450,7 +450,7 @@
           <a:bodyPr/>
           <a:lstStyle/>
           <a:p>
-            <a:fld id="{42835F54-58C0-45BF-A89F-FF0DD25C5561}" type="datetimeFigureOut">
+            <a:fld id="{770736C7-0CF6-43DF-9BAC-6292F32A1826}" type="datetimeFigureOut">
               <a:rPr lang="zh-CN" altLang="en-US" smtClean="0"/>
               <a:t>2024/3/10</a:t>
             </a:fld>
@@ -463,7 +463,7 @@
           <p:cNvPr id="5" name="页脚占位符 4">
             <a:extLst>
               <a:ext uri="{FF2B5EF4-FFF2-40B4-BE49-F238E27FC236}">
-                <a16:creationId xmlns:a16="http://schemas.microsoft.com/office/drawing/2014/main" id="{CB266F9B-E229-7EC5-B872-54B1D1FCB0BA}"/>
+                <a16:creationId xmlns:a16="http://schemas.microsoft.com/office/drawing/2014/main" id="{A58E6331-A0D2-2A8F-94E0-50DE1459D522}"/>
               </a:ext>
             </a:extLst>
           </p:cNvPr>
@@ -488,7 +488,7 @@
           <p:cNvPr id="6" name="灯片编号占位符 5">
             <a:extLst>
               <a:ext uri="{FF2B5EF4-FFF2-40B4-BE49-F238E27FC236}">
-                <a16:creationId xmlns:a16="http://schemas.microsoft.com/office/drawing/2014/main" id="{FA2DF51E-C490-6248-F60C-FD3431D9820B}"/>
+                <a16:creationId xmlns:a16="http://schemas.microsoft.com/office/drawing/2014/main" id="{0622F32C-3097-BAF3-D409-48254FBE0EBF}"/>
               </a:ext>
             </a:extLst>
           </p:cNvPr>
@@ -504,7 +504,7 @@
           <a:bodyPr/>
           <a:lstStyle/>
           <a:p>
-            <a:fld id="{0866D3B6-3E3A-44C6-B0E6-2FC3C967E4CE}" type="slidenum">
+            <a:fld id="{5AE23780-FE77-4C8B-B562-C171530A488A}" type="slidenum">
               <a:rPr lang="zh-CN" altLang="en-US" smtClean="0"/>
               <a:t>‹#›</a:t>
             </a:fld>
@@ -515,7 +515,7 @@
     </p:spTree>
     <p:extLst>
       <p:ext uri="{BB962C8B-B14F-4D97-AF65-F5344CB8AC3E}">
-        <p14:creationId xmlns:p14="http://schemas.microsoft.com/office/powerpoint/2010/main" val="2949687925"/>
+        <p14:creationId xmlns:p14="http://schemas.microsoft.com/office/powerpoint/2010/main" val="193970375"/>
       </p:ext>
     </p:extLst>
   </p:cSld>
@@ -547,7 +547,7 @@
           <p:cNvPr id="2" name="竖排标题 1">
             <a:extLst>
               <a:ext uri="{FF2B5EF4-FFF2-40B4-BE49-F238E27FC236}">
-                <a16:creationId xmlns:a16="http://schemas.microsoft.com/office/drawing/2014/main" id="{6C7016B9-5C43-8601-F648-D1E7202EEFE7}"/>
+                <a16:creationId xmlns:a16="http://schemas.microsoft.com/office/drawing/2014/main" id="{4B86069C-5800-8210-7669-1FFF30B36CD9}"/>
               </a:ext>
             </a:extLst>
           </p:cNvPr>
@@ -580,7 +580,7 @@
           <p:cNvPr id="3" name="竖排文字占位符 2">
             <a:extLst>
               <a:ext uri="{FF2B5EF4-FFF2-40B4-BE49-F238E27FC236}">
-                <a16:creationId xmlns:a16="http://schemas.microsoft.com/office/drawing/2014/main" id="{B48AC234-AB05-6466-1552-32FFF1E8D8BB}"/>
+                <a16:creationId xmlns:a16="http://schemas.microsoft.com/office/drawing/2014/main" id="{D341C340-47AB-0537-618E-A48816B0F96E}"/>
               </a:ext>
             </a:extLst>
           </p:cNvPr>
@@ -642,7 +642,7 @@
           <p:cNvPr id="4" name="日期占位符 3">
             <a:extLst>
               <a:ext uri="{FF2B5EF4-FFF2-40B4-BE49-F238E27FC236}">
-                <a16:creationId xmlns:a16="http://schemas.microsoft.com/office/drawing/2014/main" id="{B3FD5B8B-C3CF-0442-E9CC-04F451CCB762}"/>
+                <a16:creationId xmlns:a16="http://schemas.microsoft.com/office/drawing/2014/main" id="{40EDE467-E495-F708-B59A-E378BC68E7A1}"/>
               </a:ext>
             </a:extLst>
           </p:cNvPr>
@@ -658,7 +658,7 @@
           <a:bodyPr/>
           <a:lstStyle/>
           <a:p>
-            <a:fld id="{42835F54-58C0-45BF-A89F-FF0DD25C5561}" type="datetimeFigureOut">
+            <a:fld id="{770736C7-0CF6-43DF-9BAC-6292F32A1826}" type="datetimeFigureOut">
               <a:rPr lang="zh-CN" altLang="en-US" smtClean="0"/>
               <a:t>2024/3/10</a:t>
             </a:fld>
@@ -671,7 +671,7 @@
           <p:cNvPr id="5" name="页脚占位符 4">
             <a:extLst>
               <a:ext uri="{FF2B5EF4-FFF2-40B4-BE49-F238E27FC236}">
-                <a16:creationId xmlns:a16="http://schemas.microsoft.com/office/drawing/2014/main" id="{1DC37AAC-B3F0-F1DF-CF39-FD4D75CEEC85}"/>
+                <a16:creationId xmlns:a16="http://schemas.microsoft.com/office/drawing/2014/main" id="{426EEC34-CF61-A9E7-1A1F-3CA6A5271988}"/>
               </a:ext>
             </a:extLst>
           </p:cNvPr>
@@ -696,7 +696,7 @@
           <p:cNvPr id="6" name="灯片编号占位符 5">
             <a:extLst>
               <a:ext uri="{FF2B5EF4-FFF2-40B4-BE49-F238E27FC236}">
-                <a16:creationId xmlns:a16="http://schemas.microsoft.com/office/drawing/2014/main" id="{CFD0118C-4345-B529-1D18-D793721A8011}"/>
+                <a16:creationId xmlns:a16="http://schemas.microsoft.com/office/drawing/2014/main" id="{B2DFCB8A-C7E7-E469-0E30-8DF47BDDCCA4}"/>
               </a:ext>
             </a:extLst>
           </p:cNvPr>
@@ -712,7 +712,7 @@
           <a:bodyPr/>
           <a:lstStyle/>
           <a:p>
-            <a:fld id="{0866D3B6-3E3A-44C6-B0E6-2FC3C967E4CE}" type="slidenum">
+            <a:fld id="{5AE23780-FE77-4C8B-B562-C171530A488A}" type="slidenum">
               <a:rPr lang="zh-CN" altLang="en-US" smtClean="0"/>
               <a:t>‹#›</a:t>
             </a:fld>
@@ -723,7 +723,7 @@
     </p:spTree>
     <p:extLst>
       <p:ext uri="{BB962C8B-B14F-4D97-AF65-F5344CB8AC3E}">
-        <p14:creationId xmlns:p14="http://schemas.microsoft.com/office/powerpoint/2010/main" val="163936806"/>
+        <p14:creationId xmlns:p14="http://schemas.microsoft.com/office/powerpoint/2010/main" val="729138219"/>
       </p:ext>
     </p:extLst>
   </p:cSld>
@@ -755,7 +755,7 @@
           <p:cNvPr id="2" name="标题 1">
             <a:extLst>
               <a:ext uri="{FF2B5EF4-FFF2-40B4-BE49-F238E27FC236}">
-                <a16:creationId xmlns:a16="http://schemas.microsoft.com/office/drawing/2014/main" id="{40D72157-5D85-59E4-6DA9-7C29E972715B}"/>
+                <a16:creationId xmlns:a16="http://schemas.microsoft.com/office/drawing/2014/main" id="{AF31AFF5-0355-6E51-DD30-9E8795F8A894}"/>
               </a:ext>
             </a:extLst>
           </p:cNvPr>
@@ -783,7 +783,7 @@
           <p:cNvPr id="3" name="内容占位符 2">
             <a:extLst>
               <a:ext uri="{FF2B5EF4-FFF2-40B4-BE49-F238E27FC236}">
-                <a16:creationId xmlns:a16="http://schemas.microsoft.com/office/drawing/2014/main" id="{E15284F1-6B28-D705-B686-D3F45B778386}"/>
+                <a16:creationId xmlns:a16="http://schemas.microsoft.com/office/drawing/2014/main" id="{9E60DDF2-201E-9D67-E60A-97DEE0415C58}"/>
               </a:ext>
             </a:extLst>
           </p:cNvPr>
@@ -840,7 +840,7 @@
           <p:cNvPr id="4" name="日期占位符 3">
             <a:extLst>
               <a:ext uri="{FF2B5EF4-FFF2-40B4-BE49-F238E27FC236}">
-                <a16:creationId xmlns:a16="http://schemas.microsoft.com/office/drawing/2014/main" id="{3A325530-8408-71A5-7C0A-BD24D8AFAF32}"/>
+                <a16:creationId xmlns:a16="http://schemas.microsoft.com/office/drawing/2014/main" id="{89230ED7-1ABC-6726-2033-BE16EBBFCBC2}"/>
               </a:ext>
             </a:extLst>
           </p:cNvPr>
@@ -856,7 +856,7 @@
           <a:bodyPr/>
           <a:lstStyle/>
           <a:p>
-            <a:fld id="{42835F54-58C0-45BF-A89F-FF0DD25C5561}" type="datetimeFigureOut">
+            <a:fld id="{770736C7-0CF6-43DF-9BAC-6292F32A1826}" type="datetimeFigureOut">
               <a:rPr lang="zh-CN" altLang="en-US" smtClean="0"/>
               <a:t>2024/3/10</a:t>
             </a:fld>
@@ -869,7 +869,7 @@
           <p:cNvPr id="5" name="页脚占位符 4">
             <a:extLst>
               <a:ext uri="{FF2B5EF4-FFF2-40B4-BE49-F238E27FC236}">
-                <a16:creationId xmlns:a16="http://schemas.microsoft.com/office/drawing/2014/main" id="{6E307A30-BB70-7FAB-95D1-AA8A45E85684}"/>
+                <a16:creationId xmlns:a16="http://schemas.microsoft.com/office/drawing/2014/main" id="{5D1B7FFB-E5EA-A49B-9869-A0BBC3DF16E0}"/>
               </a:ext>
             </a:extLst>
           </p:cNvPr>
@@ -894,7 +894,7 @@
           <p:cNvPr id="6" name="灯片编号占位符 5">
             <a:extLst>
               <a:ext uri="{FF2B5EF4-FFF2-40B4-BE49-F238E27FC236}">
-                <a16:creationId xmlns:a16="http://schemas.microsoft.com/office/drawing/2014/main" id="{D0C46EDB-B0A3-8BBA-5D22-A3CF4FC0CA55}"/>
+                <a16:creationId xmlns:a16="http://schemas.microsoft.com/office/drawing/2014/main" id="{EBEC4862-4865-6836-CD53-C0C87E358155}"/>
               </a:ext>
             </a:extLst>
           </p:cNvPr>
@@ -910,7 +910,7 @@
           <a:bodyPr/>
           <a:lstStyle/>
           <a:p>
-            <a:fld id="{0866D3B6-3E3A-44C6-B0E6-2FC3C967E4CE}" type="slidenum">
+            <a:fld id="{5AE23780-FE77-4C8B-B562-C171530A488A}" type="slidenum">
               <a:rPr lang="zh-CN" altLang="en-US" smtClean="0"/>
               <a:t>‹#›</a:t>
             </a:fld>
@@ -921,7 +921,7 @@
     </p:spTree>
     <p:extLst>
       <p:ext uri="{BB962C8B-B14F-4D97-AF65-F5344CB8AC3E}">
-        <p14:creationId xmlns:p14="http://schemas.microsoft.com/office/powerpoint/2010/main" val="3218910022"/>
+        <p14:creationId xmlns:p14="http://schemas.microsoft.com/office/powerpoint/2010/main" val="1928850117"/>
       </p:ext>
     </p:extLst>
   </p:cSld>
@@ -953,7 +953,7 @@
           <p:cNvPr id="2" name="标题 1">
             <a:extLst>
               <a:ext uri="{FF2B5EF4-FFF2-40B4-BE49-F238E27FC236}">
-                <a16:creationId xmlns:a16="http://schemas.microsoft.com/office/drawing/2014/main" id="{C53B72D3-9749-56CA-3300-580E98FE1F1E}"/>
+                <a16:creationId xmlns:a16="http://schemas.microsoft.com/office/drawing/2014/main" id="{08602557-C5AD-2116-3FD3-C6879321FA3C}"/>
               </a:ext>
             </a:extLst>
           </p:cNvPr>
@@ -990,7 +990,7 @@
           <p:cNvPr id="3" name="文本占位符 2">
             <a:extLst>
               <a:ext uri="{FF2B5EF4-FFF2-40B4-BE49-F238E27FC236}">
-                <a16:creationId xmlns:a16="http://schemas.microsoft.com/office/drawing/2014/main" id="{620C255C-1EB7-424B-5984-EAC35B9D5E9B}"/>
+                <a16:creationId xmlns:a16="http://schemas.microsoft.com/office/drawing/2014/main" id="{10D98191-95D1-6ED2-B16D-B554B1B72415}"/>
               </a:ext>
             </a:extLst>
           </p:cNvPr>
@@ -1115,7 +1115,7 @@
           <p:cNvPr id="4" name="日期占位符 3">
             <a:extLst>
               <a:ext uri="{FF2B5EF4-FFF2-40B4-BE49-F238E27FC236}">
-                <a16:creationId xmlns:a16="http://schemas.microsoft.com/office/drawing/2014/main" id="{96D6D20B-A013-BD1D-8B40-CCEA450DD63F}"/>
+                <a16:creationId xmlns:a16="http://schemas.microsoft.com/office/drawing/2014/main" id="{0333EF51-764A-80FA-FF64-40AB3CF738BF}"/>
               </a:ext>
             </a:extLst>
           </p:cNvPr>
@@ -1131,7 +1131,7 @@
           <a:bodyPr/>
           <a:lstStyle/>
           <a:p>
-            <a:fld id="{42835F54-58C0-45BF-A89F-FF0DD25C5561}" type="datetimeFigureOut">
+            <a:fld id="{770736C7-0CF6-43DF-9BAC-6292F32A1826}" type="datetimeFigureOut">
               <a:rPr lang="zh-CN" altLang="en-US" smtClean="0"/>
               <a:t>2024/3/10</a:t>
             </a:fld>
@@ -1144,7 +1144,7 @@
           <p:cNvPr id="5" name="页脚占位符 4">
             <a:extLst>
               <a:ext uri="{FF2B5EF4-FFF2-40B4-BE49-F238E27FC236}">
-                <a16:creationId xmlns:a16="http://schemas.microsoft.com/office/drawing/2014/main" id="{102128A1-8AEF-4135-B3B4-C3B6E84B8286}"/>
+                <a16:creationId xmlns:a16="http://schemas.microsoft.com/office/drawing/2014/main" id="{20B76783-F783-4B25-F293-752FB5A26620}"/>
               </a:ext>
             </a:extLst>
           </p:cNvPr>
@@ -1169,7 +1169,7 @@
           <p:cNvPr id="6" name="灯片编号占位符 5">
             <a:extLst>
               <a:ext uri="{FF2B5EF4-FFF2-40B4-BE49-F238E27FC236}">
-                <a16:creationId xmlns:a16="http://schemas.microsoft.com/office/drawing/2014/main" id="{7AF5F287-BE25-074D-AB32-796E140652F5}"/>
+                <a16:creationId xmlns:a16="http://schemas.microsoft.com/office/drawing/2014/main" id="{82D72DDA-C12B-A369-E34B-D37C94D1F017}"/>
               </a:ext>
             </a:extLst>
           </p:cNvPr>
@@ -1185,7 +1185,7 @@
           <a:bodyPr/>
           <a:lstStyle/>
           <a:p>
-            <a:fld id="{0866D3B6-3E3A-44C6-B0E6-2FC3C967E4CE}" type="slidenum">
+            <a:fld id="{5AE23780-FE77-4C8B-B562-C171530A488A}" type="slidenum">
               <a:rPr lang="zh-CN" altLang="en-US" smtClean="0"/>
               <a:t>‹#›</a:t>
             </a:fld>
@@ -1196,7 +1196,7 @@
     </p:spTree>
     <p:extLst>
       <p:ext uri="{BB962C8B-B14F-4D97-AF65-F5344CB8AC3E}">
-        <p14:creationId xmlns:p14="http://schemas.microsoft.com/office/powerpoint/2010/main" val="2834224794"/>
+        <p14:creationId xmlns:p14="http://schemas.microsoft.com/office/powerpoint/2010/main" val="4133198821"/>
       </p:ext>
     </p:extLst>
   </p:cSld>
@@ -1228,7 +1228,7 @@
           <p:cNvPr id="2" name="标题 1">
             <a:extLst>
               <a:ext uri="{FF2B5EF4-FFF2-40B4-BE49-F238E27FC236}">
-                <a16:creationId xmlns:a16="http://schemas.microsoft.com/office/drawing/2014/main" id="{7502E1EA-717A-AB08-CA76-9E9FC0177A9F}"/>
+                <a16:creationId xmlns:a16="http://schemas.microsoft.com/office/drawing/2014/main" id="{FD4722E9-8EF0-46F7-1414-C943D500E35D}"/>
               </a:ext>
             </a:extLst>
           </p:cNvPr>
@@ -1256,7 +1256,7 @@
           <p:cNvPr id="3" name="内容占位符 2">
             <a:extLst>
               <a:ext uri="{FF2B5EF4-FFF2-40B4-BE49-F238E27FC236}">
-                <a16:creationId xmlns:a16="http://schemas.microsoft.com/office/drawing/2014/main" id="{9D65D36D-76E8-9009-C8D1-B28D289869F5}"/>
+                <a16:creationId xmlns:a16="http://schemas.microsoft.com/office/drawing/2014/main" id="{04C0E34E-D77F-D7AD-663D-B621F9C449DB}"/>
               </a:ext>
             </a:extLst>
           </p:cNvPr>
@@ -1318,7 +1318,7 @@
           <p:cNvPr id="4" name="内容占位符 3">
             <a:extLst>
               <a:ext uri="{FF2B5EF4-FFF2-40B4-BE49-F238E27FC236}">
-                <a16:creationId xmlns:a16="http://schemas.microsoft.com/office/drawing/2014/main" id="{92190352-89DF-3116-BB45-D588D20E8040}"/>
+                <a16:creationId xmlns:a16="http://schemas.microsoft.com/office/drawing/2014/main" id="{E103A812-A4A2-46AB-440F-9121D42A779B}"/>
               </a:ext>
             </a:extLst>
           </p:cNvPr>
@@ -1380,7 +1380,7 @@
           <p:cNvPr id="5" name="日期占位符 4">
             <a:extLst>
               <a:ext uri="{FF2B5EF4-FFF2-40B4-BE49-F238E27FC236}">
-                <a16:creationId xmlns:a16="http://schemas.microsoft.com/office/drawing/2014/main" id="{4CDDEEEF-0AD4-4516-B22A-89A01631B1D3}"/>
+                <a16:creationId xmlns:a16="http://schemas.microsoft.com/office/drawing/2014/main" id="{585EBDD8-961A-F126-EAF0-C21311DE4D55}"/>
               </a:ext>
             </a:extLst>
           </p:cNvPr>
@@ -1396,7 +1396,7 @@
           <a:bodyPr/>
           <a:lstStyle/>
           <a:p>
-            <a:fld id="{42835F54-58C0-45BF-A89F-FF0DD25C5561}" type="datetimeFigureOut">
+            <a:fld id="{770736C7-0CF6-43DF-9BAC-6292F32A1826}" type="datetimeFigureOut">
               <a:rPr lang="zh-CN" altLang="en-US" smtClean="0"/>
               <a:t>2024/3/10</a:t>
             </a:fld>
@@ -1409,7 +1409,7 @@
           <p:cNvPr id="6" name="页脚占位符 5">
             <a:extLst>
               <a:ext uri="{FF2B5EF4-FFF2-40B4-BE49-F238E27FC236}">
-                <a16:creationId xmlns:a16="http://schemas.microsoft.com/office/drawing/2014/main" id="{C49C783A-3C62-F9A4-97A6-CAA3A6078819}"/>
+                <a16:creationId xmlns:a16="http://schemas.microsoft.com/office/drawing/2014/main" id="{2881C01F-C2BB-B63E-ABBC-FCF4EAD9C876}"/>
               </a:ext>
             </a:extLst>
           </p:cNvPr>
@@ -1434,7 +1434,7 @@
           <p:cNvPr id="7" name="灯片编号占位符 6">
             <a:extLst>
               <a:ext uri="{FF2B5EF4-FFF2-40B4-BE49-F238E27FC236}">
-                <a16:creationId xmlns:a16="http://schemas.microsoft.com/office/drawing/2014/main" id="{693A4140-9B1F-77A2-ABFA-134177618F63}"/>
+                <a16:creationId xmlns:a16="http://schemas.microsoft.com/office/drawing/2014/main" id="{26BC7A45-661D-F5D8-580E-978DABC1744A}"/>
               </a:ext>
             </a:extLst>
           </p:cNvPr>
@@ -1450,7 +1450,7 @@
           <a:bodyPr/>
           <a:lstStyle/>
           <a:p>
-            <a:fld id="{0866D3B6-3E3A-44C6-B0E6-2FC3C967E4CE}" type="slidenum">
+            <a:fld id="{5AE23780-FE77-4C8B-B562-C171530A488A}" type="slidenum">
               <a:rPr lang="zh-CN" altLang="en-US" smtClean="0"/>
               <a:t>‹#›</a:t>
             </a:fld>
@@ -1461,7 +1461,7 @@
     </p:spTree>
     <p:extLst>
       <p:ext uri="{BB962C8B-B14F-4D97-AF65-F5344CB8AC3E}">
-        <p14:creationId xmlns:p14="http://schemas.microsoft.com/office/powerpoint/2010/main" val="3107381482"/>
+        <p14:creationId xmlns:p14="http://schemas.microsoft.com/office/powerpoint/2010/main" val="2506115277"/>
       </p:ext>
     </p:extLst>
   </p:cSld>
@@ -1493,7 +1493,7 @@
           <p:cNvPr id="2" name="标题 1">
             <a:extLst>
               <a:ext uri="{FF2B5EF4-FFF2-40B4-BE49-F238E27FC236}">
-                <a16:creationId xmlns:a16="http://schemas.microsoft.com/office/drawing/2014/main" id="{8AC3CA96-4BE3-6A02-C329-C7960AC6A0AF}"/>
+                <a16:creationId xmlns:a16="http://schemas.microsoft.com/office/drawing/2014/main" id="{E36FDD67-1157-E16B-1A1C-AC7CE2855B77}"/>
               </a:ext>
             </a:extLst>
           </p:cNvPr>
@@ -1526,7 +1526,7 @@
           <p:cNvPr id="3" name="文本占位符 2">
             <a:extLst>
               <a:ext uri="{FF2B5EF4-FFF2-40B4-BE49-F238E27FC236}">
-                <a16:creationId xmlns:a16="http://schemas.microsoft.com/office/drawing/2014/main" id="{C2B7CA22-4160-E822-09BD-0F4ED24708C6}"/>
+                <a16:creationId xmlns:a16="http://schemas.microsoft.com/office/drawing/2014/main" id="{4264A583-1257-54EE-9BF4-3E7DBCFDBA52}"/>
               </a:ext>
             </a:extLst>
           </p:cNvPr>
@@ -1597,7 +1597,7 @@
           <p:cNvPr id="4" name="内容占位符 3">
             <a:extLst>
               <a:ext uri="{FF2B5EF4-FFF2-40B4-BE49-F238E27FC236}">
-                <a16:creationId xmlns:a16="http://schemas.microsoft.com/office/drawing/2014/main" id="{9CFF4639-8BEF-85BE-D803-1B26F320E305}"/>
+                <a16:creationId xmlns:a16="http://schemas.microsoft.com/office/drawing/2014/main" id="{9CCEE34F-1877-1CF3-17D9-F6706004D199}"/>
               </a:ext>
             </a:extLst>
           </p:cNvPr>
@@ -1659,7 +1659,7 @@
           <p:cNvPr id="5" name="文本占位符 4">
             <a:extLst>
               <a:ext uri="{FF2B5EF4-FFF2-40B4-BE49-F238E27FC236}">
-                <a16:creationId xmlns:a16="http://schemas.microsoft.com/office/drawing/2014/main" id="{2D2F7247-A440-47ED-75D4-1BB5D70427F2}"/>
+                <a16:creationId xmlns:a16="http://schemas.microsoft.com/office/drawing/2014/main" id="{ACA5C236-6558-E10F-E324-02807FCEDB49}"/>
               </a:ext>
             </a:extLst>
           </p:cNvPr>
@@ -1730,7 +1730,7 @@
           <p:cNvPr id="6" name="内容占位符 5">
             <a:extLst>
               <a:ext uri="{FF2B5EF4-FFF2-40B4-BE49-F238E27FC236}">
-                <a16:creationId xmlns:a16="http://schemas.microsoft.com/office/drawing/2014/main" id="{10DAD366-3D69-87CA-77C9-0C59D3B60207}"/>
+                <a16:creationId xmlns:a16="http://schemas.microsoft.com/office/drawing/2014/main" id="{1EB68999-C9C9-4315-5477-28ABDA54DAC9}"/>
               </a:ext>
             </a:extLst>
           </p:cNvPr>
@@ -1792,7 +1792,7 @@
           <p:cNvPr id="7" name="日期占位符 6">
             <a:extLst>
               <a:ext uri="{FF2B5EF4-FFF2-40B4-BE49-F238E27FC236}">
-                <a16:creationId xmlns:a16="http://schemas.microsoft.com/office/drawing/2014/main" id="{0D8D9DE9-AE5C-56F6-BBAB-1B3EEFA1FDF6}"/>
+                <a16:creationId xmlns:a16="http://schemas.microsoft.com/office/drawing/2014/main" id="{6109BC5B-F661-6AD8-95EC-FE2147BFDC5E}"/>
               </a:ext>
             </a:extLst>
           </p:cNvPr>
@@ -1808,7 +1808,7 @@
           <a:bodyPr/>
           <a:lstStyle/>
           <a:p>
-            <a:fld id="{42835F54-58C0-45BF-A89F-FF0DD25C5561}" type="datetimeFigureOut">
+            <a:fld id="{770736C7-0CF6-43DF-9BAC-6292F32A1826}" type="datetimeFigureOut">
               <a:rPr lang="zh-CN" altLang="en-US" smtClean="0"/>
               <a:t>2024/3/10</a:t>
             </a:fld>
@@ -1821,7 +1821,7 @@
           <p:cNvPr id="8" name="页脚占位符 7">
             <a:extLst>
               <a:ext uri="{FF2B5EF4-FFF2-40B4-BE49-F238E27FC236}">
-                <a16:creationId xmlns:a16="http://schemas.microsoft.com/office/drawing/2014/main" id="{63E7AE03-B3C3-B5C2-05B7-BA2390493048}"/>
+                <a16:creationId xmlns:a16="http://schemas.microsoft.com/office/drawing/2014/main" id="{6A80368D-FD80-431A-1653-8C5CE2116A42}"/>
               </a:ext>
             </a:extLst>
           </p:cNvPr>
@@ -1846,7 +1846,7 @@
           <p:cNvPr id="9" name="灯片编号占位符 8">
             <a:extLst>
               <a:ext uri="{FF2B5EF4-FFF2-40B4-BE49-F238E27FC236}">
-                <a16:creationId xmlns:a16="http://schemas.microsoft.com/office/drawing/2014/main" id="{78A34B44-0F4A-C6D8-45C8-18DA59307572}"/>
+                <a16:creationId xmlns:a16="http://schemas.microsoft.com/office/drawing/2014/main" id="{E9D056A9-9F65-23AD-3020-B995F9FEFBAE}"/>
               </a:ext>
             </a:extLst>
           </p:cNvPr>
@@ -1862,7 +1862,7 @@
           <a:bodyPr/>
           <a:lstStyle/>
           <a:p>
-            <a:fld id="{0866D3B6-3E3A-44C6-B0E6-2FC3C967E4CE}" type="slidenum">
+            <a:fld id="{5AE23780-FE77-4C8B-B562-C171530A488A}" type="slidenum">
               <a:rPr lang="zh-CN" altLang="en-US" smtClean="0"/>
               <a:t>‹#›</a:t>
             </a:fld>
@@ -1873,7 +1873,7 @@
     </p:spTree>
     <p:extLst>
       <p:ext uri="{BB962C8B-B14F-4D97-AF65-F5344CB8AC3E}">
-        <p14:creationId xmlns:p14="http://schemas.microsoft.com/office/powerpoint/2010/main" val="1253798178"/>
+        <p14:creationId xmlns:p14="http://schemas.microsoft.com/office/powerpoint/2010/main" val="171414599"/>
       </p:ext>
     </p:extLst>
   </p:cSld>
@@ -1905,7 +1905,7 @@
           <p:cNvPr id="2" name="标题 1">
             <a:extLst>
               <a:ext uri="{FF2B5EF4-FFF2-40B4-BE49-F238E27FC236}">
-                <a16:creationId xmlns:a16="http://schemas.microsoft.com/office/drawing/2014/main" id="{55A64D22-ECF4-C33E-53E6-5D656ABAE382}"/>
+                <a16:creationId xmlns:a16="http://schemas.microsoft.com/office/drawing/2014/main" id="{820DDA98-A9E6-92EE-58CF-EDDCC7266642}"/>
               </a:ext>
             </a:extLst>
           </p:cNvPr>
@@ -1933,7 +1933,7 @@
           <p:cNvPr id="3" name="日期占位符 2">
             <a:extLst>
               <a:ext uri="{FF2B5EF4-FFF2-40B4-BE49-F238E27FC236}">
-                <a16:creationId xmlns:a16="http://schemas.microsoft.com/office/drawing/2014/main" id="{18265F57-BC74-0A8B-8720-BFE7F058396C}"/>
+                <a16:creationId xmlns:a16="http://schemas.microsoft.com/office/drawing/2014/main" id="{58576231-1C17-B123-4EBE-42EE3B0AB089}"/>
               </a:ext>
             </a:extLst>
           </p:cNvPr>
@@ -1949,7 +1949,7 @@
           <a:bodyPr/>
           <a:lstStyle/>
           <a:p>
-            <a:fld id="{42835F54-58C0-45BF-A89F-FF0DD25C5561}" type="datetimeFigureOut">
+            <a:fld id="{770736C7-0CF6-43DF-9BAC-6292F32A1826}" type="datetimeFigureOut">
               <a:rPr lang="zh-CN" altLang="en-US" smtClean="0"/>
               <a:t>2024/3/10</a:t>
             </a:fld>
@@ -1962,7 +1962,7 @@
           <p:cNvPr id="4" name="页脚占位符 3">
             <a:extLst>
               <a:ext uri="{FF2B5EF4-FFF2-40B4-BE49-F238E27FC236}">
-                <a16:creationId xmlns:a16="http://schemas.microsoft.com/office/drawing/2014/main" id="{8DDBAC0C-68B8-1AC3-64D3-7F4DD29CF905}"/>
+                <a16:creationId xmlns:a16="http://schemas.microsoft.com/office/drawing/2014/main" id="{83525BDE-91E7-A993-B191-73A420A3E5D9}"/>
               </a:ext>
             </a:extLst>
           </p:cNvPr>
@@ -1987,7 +1987,7 @@
           <p:cNvPr id="5" name="灯片编号占位符 4">
             <a:extLst>
               <a:ext uri="{FF2B5EF4-FFF2-40B4-BE49-F238E27FC236}">
-                <a16:creationId xmlns:a16="http://schemas.microsoft.com/office/drawing/2014/main" id="{EF0E0A07-A1F8-1BDB-4FB1-582E5A21BD4E}"/>
+                <a16:creationId xmlns:a16="http://schemas.microsoft.com/office/drawing/2014/main" id="{87AA3796-04FA-36F7-7A5E-F7EA5A3EECD4}"/>
               </a:ext>
             </a:extLst>
           </p:cNvPr>
@@ -2003,7 +2003,7 @@
           <a:bodyPr/>
           <a:lstStyle/>
           <a:p>
-            <a:fld id="{0866D3B6-3E3A-44C6-B0E6-2FC3C967E4CE}" type="slidenum">
+            <a:fld id="{5AE23780-FE77-4C8B-B562-C171530A488A}" type="slidenum">
               <a:rPr lang="zh-CN" altLang="en-US" smtClean="0"/>
               <a:t>‹#›</a:t>
             </a:fld>
@@ -2014,7 +2014,7 @@
     </p:spTree>
     <p:extLst>
       <p:ext uri="{BB962C8B-B14F-4D97-AF65-F5344CB8AC3E}">
-        <p14:creationId xmlns:p14="http://schemas.microsoft.com/office/powerpoint/2010/main" val="2590895192"/>
+        <p14:creationId xmlns:p14="http://schemas.microsoft.com/office/powerpoint/2010/main" val="1489488673"/>
       </p:ext>
     </p:extLst>
   </p:cSld>
@@ -2046,7 +2046,7 @@
           <p:cNvPr id="2" name="日期占位符 1">
             <a:extLst>
               <a:ext uri="{FF2B5EF4-FFF2-40B4-BE49-F238E27FC236}">
-                <a16:creationId xmlns:a16="http://schemas.microsoft.com/office/drawing/2014/main" id="{6E4A4302-BCCF-E300-CC07-7BC8DB971D06}"/>
+                <a16:creationId xmlns:a16="http://schemas.microsoft.com/office/drawing/2014/main" id="{D34BF2CF-1D13-C82D-83F5-D9B76FBC41CE}"/>
               </a:ext>
             </a:extLst>
           </p:cNvPr>
@@ -2062,7 +2062,7 @@
           <a:bodyPr/>
           <a:lstStyle/>
           <a:p>
-            <a:fld id="{42835F54-58C0-45BF-A89F-FF0DD25C5561}" type="datetimeFigureOut">
+            <a:fld id="{770736C7-0CF6-43DF-9BAC-6292F32A1826}" type="datetimeFigureOut">
               <a:rPr lang="zh-CN" altLang="en-US" smtClean="0"/>
               <a:t>2024/3/10</a:t>
             </a:fld>
@@ -2075,7 +2075,7 @@
           <p:cNvPr id="3" name="页脚占位符 2">
             <a:extLst>
               <a:ext uri="{FF2B5EF4-FFF2-40B4-BE49-F238E27FC236}">
-                <a16:creationId xmlns:a16="http://schemas.microsoft.com/office/drawing/2014/main" id="{3849C9B4-7301-93A6-CDEC-39F0F41205AE}"/>
+                <a16:creationId xmlns:a16="http://schemas.microsoft.com/office/drawing/2014/main" id="{2B048536-AB0A-3EBA-8E34-CBDF968CCF3F}"/>
               </a:ext>
             </a:extLst>
           </p:cNvPr>
@@ -2100,7 +2100,7 @@
           <p:cNvPr id="4" name="灯片编号占位符 3">
             <a:extLst>
               <a:ext uri="{FF2B5EF4-FFF2-40B4-BE49-F238E27FC236}">
-                <a16:creationId xmlns:a16="http://schemas.microsoft.com/office/drawing/2014/main" id="{D506C0B0-C374-9751-AA7D-0D5D20FB3918}"/>
+                <a16:creationId xmlns:a16="http://schemas.microsoft.com/office/drawing/2014/main" id="{85492E27-D070-D580-4858-F0E736AD4A78}"/>
               </a:ext>
             </a:extLst>
           </p:cNvPr>
@@ -2116,7 +2116,7 @@
           <a:bodyPr/>
           <a:lstStyle/>
           <a:p>
-            <a:fld id="{0866D3B6-3E3A-44C6-B0E6-2FC3C967E4CE}" type="slidenum">
+            <a:fld id="{5AE23780-FE77-4C8B-B562-C171530A488A}" type="slidenum">
               <a:rPr lang="zh-CN" altLang="en-US" smtClean="0"/>
               <a:t>‹#›</a:t>
             </a:fld>
@@ -2127,7 +2127,7 @@
     </p:spTree>
     <p:extLst>
       <p:ext uri="{BB962C8B-B14F-4D97-AF65-F5344CB8AC3E}">
-        <p14:creationId xmlns:p14="http://schemas.microsoft.com/office/powerpoint/2010/main" val="1537067580"/>
+        <p14:creationId xmlns:p14="http://schemas.microsoft.com/office/powerpoint/2010/main" val="3530508802"/>
       </p:ext>
     </p:extLst>
   </p:cSld>
@@ -2159,7 +2159,7 @@
           <p:cNvPr id="2" name="标题 1">
             <a:extLst>
               <a:ext uri="{FF2B5EF4-FFF2-40B4-BE49-F238E27FC236}">
-                <a16:creationId xmlns:a16="http://schemas.microsoft.com/office/drawing/2014/main" id="{BC0FF258-4C79-7ADD-BB54-713FE600E394}"/>
+                <a16:creationId xmlns:a16="http://schemas.microsoft.com/office/drawing/2014/main" id="{66F67DF6-25A5-216C-D523-BB32B5B6A4FD}"/>
               </a:ext>
             </a:extLst>
           </p:cNvPr>
@@ -2196,7 +2196,7 @@
           <p:cNvPr id="3" name="内容占位符 2">
             <a:extLst>
               <a:ext uri="{FF2B5EF4-FFF2-40B4-BE49-F238E27FC236}">
-                <a16:creationId xmlns:a16="http://schemas.microsoft.com/office/drawing/2014/main" id="{269BC7CB-1AAD-766D-8D70-780F13ED6588}"/>
+                <a16:creationId xmlns:a16="http://schemas.microsoft.com/office/drawing/2014/main" id="{16E2231F-273A-7E56-DF3F-20AED2CC32A1}"/>
               </a:ext>
             </a:extLst>
           </p:cNvPr>
@@ -2286,7 +2286,7 @@
           <p:cNvPr id="4" name="文本占位符 3">
             <a:extLst>
               <a:ext uri="{FF2B5EF4-FFF2-40B4-BE49-F238E27FC236}">
-                <a16:creationId xmlns:a16="http://schemas.microsoft.com/office/drawing/2014/main" id="{CEB33983-489A-5B0F-475C-BA3A0AA2F034}"/>
+                <a16:creationId xmlns:a16="http://schemas.microsoft.com/office/drawing/2014/main" id="{E7E06635-1FD1-CB96-9C3D-1CC3DBE32EDA}"/>
               </a:ext>
             </a:extLst>
           </p:cNvPr>
@@ -2357,7 +2357,7 @@
           <p:cNvPr id="5" name="日期占位符 4">
             <a:extLst>
               <a:ext uri="{FF2B5EF4-FFF2-40B4-BE49-F238E27FC236}">
-                <a16:creationId xmlns:a16="http://schemas.microsoft.com/office/drawing/2014/main" id="{2AA3BFFC-43B2-D331-D9F4-0CD44C0E17A9}"/>
+                <a16:creationId xmlns:a16="http://schemas.microsoft.com/office/drawing/2014/main" id="{80CC1475-42FA-2763-546C-2AD6CCB749B2}"/>
               </a:ext>
             </a:extLst>
           </p:cNvPr>
@@ -2373,7 +2373,7 @@
           <a:bodyPr/>
           <a:lstStyle/>
           <a:p>
-            <a:fld id="{42835F54-58C0-45BF-A89F-FF0DD25C5561}" type="datetimeFigureOut">
+            <a:fld id="{770736C7-0CF6-43DF-9BAC-6292F32A1826}" type="datetimeFigureOut">
               <a:rPr lang="zh-CN" altLang="en-US" smtClean="0"/>
               <a:t>2024/3/10</a:t>
             </a:fld>
@@ -2386,7 +2386,7 @@
           <p:cNvPr id="6" name="页脚占位符 5">
             <a:extLst>
               <a:ext uri="{FF2B5EF4-FFF2-40B4-BE49-F238E27FC236}">
-                <a16:creationId xmlns:a16="http://schemas.microsoft.com/office/drawing/2014/main" id="{2AA0185E-56F7-B2FE-D038-EE94F3C5FE1F}"/>
+                <a16:creationId xmlns:a16="http://schemas.microsoft.com/office/drawing/2014/main" id="{29DE8977-62C6-F772-1565-8FCBE5628C8B}"/>
               </a:ext>
             </a:extLst>
           </p:cNvPr>
@@ -2411,7 +2411,7 @@
           <p:cNvPr id="7" name="灯片编号占位符 6">
             <a:extLst>
               <a:ext uri="{FF2B5EF4-FFF2-40B4-BE49-F238E27FC236}">
-                <a16:creationId xmlns:a16="http://schemas.microsoft.com/office/drawing/2014/main" id="{84533FB7-F2A6-DA3D-4AE8-F15D5DB591B2}"/>
+                <a16:creationId xmlns:a16="http://schemas.microsoft.com/office/drawing/2014/main" id="{49452116-D4F5-D8AB-825B-1D73D6166750}"/>
               </a:ext>
             </a:extLst>
           </p:cNvPr>
@@ -2427,7 +2427,7 @@
           <a:bodyPr/>
           <a:lstStyle/>
           <a:p>
-            <a:fld id="{0866D3B6-3E3A-44C6-B0E6-2FC3C967E4CE}" type="slidenum">
+            <a:fld id="{5AE23780-FE77-4C8B-B562-C171530A488A}" type="slidenum">
               <a:rPr lang="zh-CN" altLang="en-US" smtClean="0"/>
               <a:t>‹#›</a:t>
             </a:fld>
@@ -2438,7 +2438,7 @@
     </p:spTree>
     <p:extLst>
       <p:ext uri="{BB962C8B-B14F-4D97-AF65-F5344CB8AC3E}">
-        <p14:creationId xmlns:p14="http://schemas.microsoft.com/office/powerpoint/2010/main" val="3616748359"/>
+        <p14:creationId xmlns:p14="http://schemas.microsoft.com/office/powerpoint/2010/main" val="4144188267"/>
       </p:ext>
     </p:extLst>
   </p:cSld>
@@ -2470,7 +2470,7 @@
           <p:cNvPr id="2" name="标题 1">
             <a:extLst>
               <a:ext uri="{FF2B5EF4-FFF2-40B4-BE49-F238E27FC236}">
-                <a16:creationId xmlns:a16="http://schemas.microsoft.com/office/drawing/2014/main" id="{AEE9299C-EB23-27DC-3DFC-C28EFF3E4091}"/>
+                <a16:creationId xmlns:a16="http://schemas.microsoft.com/office/drawing/2014/main" id="{4BF74DDC-4A50-5C67-C343-F8CE6136D90F}"/>
               </a:ext>
             </a:extLst>
           </p:cNvPr>
@@ -2507,7 +2507,7 @@
           <p:cNvPr id="3" name="图片占位符 2">
             <a:extLst>
               <a:ext uri="{FF2B5EF4-FFF2-40B4-BE49-F238E27FC236}">
-                <a16:creationId xmlns:a16="http://schemas.microsoft.com/office/drawing/2014/main" id="{5B47F0D9-D182-E921-7628-31330D9A04EC}"/>
+                <a16:creationId xmlns:a16="http://schemas.microsoft.com/office/drawing/2014/main" id="{1C6C0EBB-A3A9-AD2A-E2D8-8902B9FA9D52}"/>
               </a:ext>
             </a:extLst>
           </p:cNvPr>
@@ -2574,7 +2574,7 @@
           <p:cNvPr id="4" name="文本占位符 3">
             <a:extLst>
               <a:ext uri="{FF2B5EF4-FFF2-40B4-BE49-F238E27FC236}">
-                <a16:creationId xmlns:a16="http://schemas.microsoft.com/office/drawing/2014/main" id="{A29B8044-5021-45AD-75DB-6B4833AD3E62}"/>
+                <a16:creationId xmlns:a16="http://schemas.microsoft.com/office/drawing/2014/main" id="{F4BE997C-4C8C-2A71-9D88-B989F7A4A644}"/>
               </a:ext>
             </a:extLst>
           </p:cNvPr>
@@ -2645,7 +2645,7 @@
           <p:cNvPr id="5" name="日期占位符 4">
             <a:extLst>
               <a:ext uri="{FF2B5EF4-FFF2-40B4-BE49-F238E27FC236}">
-                <a16:creationId xmlns:a16="http://schemas.microsoft.com/office/drawing/2014/main" id="{8E0ED15C-907A-42CB-3D57-7DB395DAE660}"/>
+                <a16:creationId xmlns:a16="http://schemas.microsoft.com/office/drawing/2014/main" id="{3FCB684D-CBB3-2310-9983-A32457837BCD}"/>
               </a:ext>
             </a:extLst>
           </p:cNvPr>
@@ -2661,7 +2661,7 @@
           <a:bodyPr/>
           <a:lstStyle/>
           <a:p>
-            <a:fld id="{42835F54-58C0-45BF-A89F-FF0DD25C5561}" type="datetimeFigureOut">
+            <a:fld id="{770736C7-0CF6-43DF-9BAC-6292F32A1826}" type="datetimeFigureOut">
               <a:rPr lang="zh-CN" altLang="en-US" smtClean="0"/>
               <a:t>2024/3/10</a:t>
             </a:fld>
@@ -2674,7 +2674,7 @@
           <p:cNvPr id="6" name="页脚占位符 5">
             <a:extLst>
               <a:ext uri="{FF2B5EF4-FFF2-40B4-BE49-F238E27FC236}">
-                <a16:creationId xmlns:a16="http://schemas.microsoft.com/office/drawing/2014/main" id="{89D42FE2-0A10-7054-D78E-3CCB6DFF2B33}"/>
+                <a16:creationId xmlns:a16="http://schemas.microsoft.com/office/drawing/2014/main" id="{76074687-6003-1277-D68C-57C7DFB6CF48}"/>
               </a:ext>
             </a:extLst>
           </p:cNvPr>
@@ -2699,7 +2699,7 @@
           <p:cNvPr id="7" name="灯片编号占位符 6">
             <a:extLst>
               <a:ext uri="{FF2B5EF4-FFF2-40B4-BE49-F238E27FC236}">
-                <a16:creationId xmlns:a16="http://schemas.microsoft.com/office/drawing/2014/main" id="{C556221F-A1D5-1C46-8E42-490CA48CF560}"/>
+                <a16:creationId xmlns:a16="http://schemas.microsoft.com/office/drawing/2014/main" id="{A429BF3D-280C-FC3C-BBDD-92BF124D50D4}"/>
               </a:ext>
             </a:extLst>
           </p:cNvPr>
@@ -2715,7 +2715,7 @@
           <a:bodyPr/>
           <a:lstStyle/>
           <a:p>
-            <a:fld id="{0866D3B6-3E3A-44C6-B0E6-2FC3C967E4CE}" type="slidenum">
+            <a:fld id="{5AE23780-FE77-4C8B-B562-C171530A488A}" type="slidenum">
               <a:rPr lang="zh-CN" altLang="en-US" smtClean="0"/>
               <a:t>‹#›</a:t>
             </a:fld>
@@ -2726,7 +2726,7 @@
     </p:spTree>
     <p:extLst>
       <p:ext uri="{BB962C8B-B14F-4D97-AF65-F5344CB8AC3E}">
-        <p14:creationId xmlns:p14="http://schemas.microsoft.com/office/powerpoint/2010/main" val="2681362422"/>
+        <p14:creationId xmlns:p14="http://schemas.microsoft.com/office/powerpoint/2010/main" val="324242906"/>
       </p:ext>
     </p:extLst>
   </p:cSld>
@@ -2763,7 +2763,7 @@
           <p:cNvPr id="2" name="标题占位符 1">
             <a:extLst>
               <a:ext uri="{FF2B5EF4-FFF2-40B4-BE49-F238E27FC236}">
-                <a16:creationId xmlns:a16="http://schemas.microsoft.com/office/drawing/2014/main" id="{99656E50-FB96-C525-1C07-76C0D6E4AC73}"/>
+                <a16:creationId xmlns:a16="http://schemas.microsoft.com/office/drawing/2014/main" id="{4C93CB16-1FD4-7B08-5CBD-A4143C33CFF4}"/>
               </a:ext>
             </a:extLst>
           </p:cNvPr>
@@ -2801,7 +2801,7 @@
           <p:cNvPr id="3" name="文本占位符 2">
             <a:extLst>
               <a:ext uri="{FF2B5EF4-FFF2-40B4-BE49-F238E27FC236}">
-                <a16:creationId xmlns:a16="http://schemas.microsoft.com/office/drawing/2014/main" id="{83FF1E76-5CBB-2E3D-CB07-F80CC97E5B9C}"/>
+                <a16:creationId xmlns:a16="http://schemas.microsoft.com/office/drawing/2014/main" id="{341E10A1-D055-9625-D6A4-F3C5B056C908}"/>
               </a:ext>
             </a:extLst>
           </p:cNvPr>
@@ -2868,7 +2868,7 @@
           <p:cNvPr id="4" name="日期占位符 3">
             <a:extLst>
               <a:ext uri="{FF2B5EF4-FFF2-40B4-BE49-F238E27FC236}">
-                <a16:creationId xmlns:a16="http://schemas.microsoft.com/office/drawing/2014/main" id="{4D445352-3AA2-5F4D-617D-87E1071FA443}"/>
+                <a16:creationId xmlns:a16="http://schemas.microsoft.com/office/drawing/2014/main" id="{F3B5EE74-807E-8606-5775-3CA879E2E789}"/>
               </a:ext>
             </a:extLst>
           </p:cNvPr>
@@ -2902,7 +2902,7 @@
             </a:lvl1pPr>
           </a:lstStyle>
           <a:p>
-            <a:fld id="{42835F54-58C0-45BF-A89F-FF0DD25C5561}" type="datetimeFigureOut">
+            <a:fld id="{770736C7-0CF6-43DF-9BAC-6292F32A1826}" type="datetimeFigureOut">
               <a:rPr lang="zh-CN" altLang="en-US" smtClean="0"/>
               <a:t>2024/3/10</a:t>
             </a:fld>
@@ -2915,7 +2915,7 @@
           <p:cNvPr id="5" name="页脚占位符 4">
             <a:extLst>
               <a:ext uri="{FF2B5EF4-FFF2-40B4-BE49-F238E27FC236}">
-                <a16:creationId xmlns:a16="http://schemas.microsoft.com/office/drawing/2014/main" id="{950F7B02-8B7D-4C51-7BF8-B75BD084B61E}"/>
+                <a16:creationId xmlns:a16="http://schemas.microsoft.com/office/drawing/2014/main" id="{9C0990E7-D492-730E-ECD1-20ABF1F9CA01}"/>
               </a:ext>
             </a:extLst>
           </p:cNvPr>
@@ -2958,7 +2958,7 @@
           <p:cNvPr id="6" name="灯片编号占位符 5">
             <a:extLst>
               <a:ext uri="{FF2B5EF4-FFF2-40B4-BE49-F238E27FC236}">
-                <a16:creationId xmlns:a16="http://schemas.microsoft.com/office/drawing/2014/main" id="{566C8C0F-AA6F-453B-6C0C-68B1FE8EBF53}"/>
+                <a16:creationId xmlns:a16="http://schemas.microsoft.com/office/drawing/2014/main" id="{9DA74D99-4BAB-AC1C-1001-0D631543691D}"/>
               </a:ext>
             </a:extLst>
           </p:cNvPr>
@@ -2992,7 +2992,7 @@
             </a:lvl1pPr>
           </a:lstStyle>
           <a:p>
-            <a:fld id="{0866D3B6-3E3A-44C6-B0E6-2FC3C967E4CE}" type="slidenum">
+            <a:fld id="{5AE23780-FE77-4C8B-B562-C171530A488A}" type="slidenum">
               <a:rPr lang="zh-CN" altLang="en-US" smtClean="0"/>
               <a:t>‹#›</a:t>
             </a:fld>
@@ -3003,7 +3003,7 @@
     </p:spTree>
     <p:extLst>
       <p:ext uri="{BB962C8B-B14F-4D97-AF65-F5344CB8AC3E}">
-        <p14:creationId xmlns:p14="http://schemas.microsoft.com/office/powerpoint/2010/main" val="4016148435"/>
+        <p14:creationId xmlns:p14="http://schemas.microsoft.com/office/powerpoint/2010/main" val="2534007991"/>
       </p:ext>
     </p:extLst>
   </p:cSld>
@@ -3323,7 +3323,7 @@
       </p:grpSpPr>
       <p:pic>
         <p:nvPicPr>
-          <p:cNvPr id="1461250" name="Picture 2" descr="1426"/>
+          <p:cNvPr id="1462274" name="Picture 2" descr="1427"/>
           <p:cNvPicPr>
             <a:picLocks noChangeAspect="1" noChangeArrowheads="1"/>
           </p:cNvPicPr>
@@ -3345,7 +3345,7 @@
         <p:spPr bwMode="auto">
           <a:xfrm>
             <a:off x="1524000" y="0"/>
-            <a:ext cx="9144000" cy="6381750"/>
+            <a:ext cx="9144000" cy="4292600"/>
           </a:xfrm>
           <a:prstGeom prst="rect">
             <a:avLst/>
